--- a/Documentos/Entrega1.pptx
+++ b/Documentos/Entrega1.pptx
@@ -15,8 +15,7 @@
     <p:sldId id="265" r:id="rId9"/>
     <p:sldId id="266" r:id="rId10"/>
     <p:sldId id="267" r:id="rId11"/>
-    <p:sldId id="261" r:id="rId12"/>
-    <p:sldId id="262" r:id="rId13"/>
+    <p:sldId id="262" r:id="rId12"/>
   </p:sldIdLst>
   <p:sldSz cx="12192000" cy="6858000"/>
   <p:notesSz cx="6858000" cy="9144000"/>
@@ -305,7 +304,7 @@
           <a:p>
             <a:fld id="{48F63A3B-78C7-47BE-AE5E-E10140E04643}" type="slidenum">
               <a:rPr lang="en-US" dirty="0"/>
-              <a:t>‹#›</a:t>
+              <a:t>‹Nº›</a:t>
             </a:fld>
             <a:endParaRPr lang="en-US"/>
           </a:p>
@@ -473,7 +472,7 @@
           <a:p>
             <a:fld id="{48F63A3B-78C7-47BE-AE5E-E10140E04643}" type="slidenum">
               <a:rPr lang="en-US" dirty="0"/>
-              <a:t>‹#›</a:t>
+              <a:t>‹Nº›</a:t>
             </a:fld>
             <a:endParaRPr lang="en-US"/>
           </a:p>
@@ -651,7 +650,7 @@
           <a:p>
             <a:fld id="{48F63A3B-78C7-47BE-AE5E-E10140E04643}" type="slidenum">
               <a:rPr lang="en-US" dirty="0"/>
-              <a:t>‹#›</a:t>
+              <a:t>‹Nº›</a:t>
             </a:fld>
             <a:endParaRPr lang="en-US"/>
           </a:p>
@@ -819,7 +818,7 @@
           <a:p>
             <a:fld id="{48F63A3B-78C7-47BE-AE5E-E10140E04643}" type="slidenum">
               <a:rPr lang="en-US" dirty="0"/>
-              <a:t>‹#›</a:t>
+              <a:t>‹Nº›</a:t>
             </a:fld>
             <a:endParaRPr lang="en-US"/>
           </a:p>
@@ -1064,7 +1063,7 @@
           <a:p>
             <a:fld id="{48F63A3B-78C7-47BE-AE5E-E10140E04643}" type="slidenum">
               <a:rPr lang="en-US" dirty="0"/>
-              <a:t>‹#›</a:t>
+              <a:t>‹Nº›</a:t>
             </a:fld>
             <a:endParaRPr lang="en-US"/>
           </a:p>
@@ -1293,7 +1292,7 @@
           <a:p>
             <a:fld id="{48F63A3B-78C7-47BE-AE5E-E10140E04643}" type="slidenum">
               <a:rPr lang="en-US" dirty="0"/>
-              <a:t>‹#›</a:t>
+              <a:t>‹Nº›</a:t>
             </a:fld>
             <a:endParaRPr lang="en-US"/>
           </a:p>
@@ -1657,7 +1656,7 @@
           <a:p>
             <a:fld id="{48F63A3B-78C7-47BE-AE5E-E10140E04643}" type="slidenum">
               <a:rPr lang="en-US" dirty="0"/>
-              <a:t>‹#›</a:t>
+              <a:t>‹Nº›</a:t>
             </a:fld>
             <a:endParaRPr lang="en-US"/>
           </a:p>
@@ -1774,7 +1773,7 @@
           <a:p>
             <a:fld id="{48F63A3B-78C7-47BE-AE5E-E10140E04643}" type="slidenum">
               <a:rPr lang="en-US" dirty="0"/>
-              <a:t>‹#›</a:t>
+              <a:t>‹Nº›</a:t>
             </a:fld>
             <a:endParaRPr lang="en-US"/>
           </a:p>
@@ -1869,7 +1868,7 @@
           <a:p>
             <a:fld id="{48F63A3B-78C7-47BE-AE5E-E10140E04643}" type="slidenum">
               <a:rPr lang="en-US" dirty="0"/>
-              <a:t>‹#›</a:t>
+              <a:t>‹Nº›</a:t>
             </a:fld>
             <a:endParaRPr lang="en-US"/>
           </a:p>
@@ -2144,7 +2143,7 @@
           <a:p>
             <a:fld id="{48F63A3B-78C7-47BE-AE5E-E10140E04643}" type="slidenum">
               <a:rPr lang="en-US" dirty="0"/>
-              <a:t>‹#›</a:t>
+              <a:t>‹Nº›</a:t>
             </a:fld>
             <a:endParaRPr lang="en-US"/>
           </a:p>
@@ -2396,7 +2395,7 @@
           <a:p>
             <a:fld id="{48F63A3B-78C7-47BE-AE5E-E10140E04643}" type="slidenum">
               <a:rPr lang="en-US" dirty="0"/>
-              <a:t>‹#›</a:t>
+              <a:t>‹Nº›</a:t>
             </a:fld>
             <a:endParaRPr lang="en-US"/>
           </a:p>
@@ -2643,7 +2642,7 @@
           <a:p>
             <a:fld id="{48F63A3B-78C7-47BE-AE5E-E10140E04643}" type="slidenum">
               <a:rPr lang="en-US" dirty="0"/>
-              <a:t>‹#›</a:t>
+              <a:t>‹Nº›</a:t>
             </a:fld>
             <a:endParaRPr lang="en-US"/>
           </a:p>
@@ -3529,404 +3528,6 @@
 </file>
 
 <file path=ppt/slides/slide11.xml><?xml version="1.0" encoding="utf-8"?>
-<p:sld xmlns:a="http://schemas.openxmlformats.org/drawingml/2006/main" xmlns:r="http://schemas.openxmlformats.org/officeDocument/2006/relationships" xmlns:p="http://schemas.openxmlformats.org/presentationml/2006/main">
-  <p:cSld>
-    <p:bg>
-      <p:bgPr>
-        <a:solidFill>
-          <a:schemeClr val="bg1"/>
-        </a:solidFill>
-        <a:effectLst/>
-      </p:bgPr>
-    </p:bg>
-    <p:spTree>
-      <p:nvGrpSpPr>
-        <p:cNvPr id="1" name=""/>
-        <p:cNvGrpSpPr/>
-        <p:nvPr/>
-      </p:nvGrpSpPr>
-      <p:grpSpPr>
-        <a:xfrm>
-          <a:off x="0" y="0"/>
-          <a:ext cx="0" cy="0"/>
-          <a:chOff x="0" y="0"/>
-          <a:chExt cx="0" cy="0"/>
-        </a:xfrm>
-      </p:grpSpPr>
-      <p:sp>
-        <p:nvSpPr>
-          <p:cNvPr id="8" name="Rectangle 7">
-            <a:extLst>
-              <a:ext uri="{FF2B5EF4-FFF2-40B4-BE49-F238E27FC236}">
-                <a16:creationId xmlns:a16="http://schemas.microsoft.com/office/drawing/2014/main" id="{2A8AA5BC-4F7A-4226-8F99-6D824B226A97}"/>
-              </a:ext>
-              <a:ext uri="{C183D7F6-B498-43B3-948B-1728B52AA6E4}">
-                <adec:decorative xmlns:adec="http://schemas.microsoft.com/office/drawing/2017/decorative" val="1"/>
-              </a:ext>
-            </a:extLst>
-          </p:cNvPr>
-          <p:cNvSpPr>
-            <a:spLocks noGrp="1" noRot="1" noChangeAspect="1" noMove="1" noResize="1" noEditPoints="1" noAdjustHandles="1" noChangeArrowheads="1" noChangeShapeType="1" noTextEdit="1"/>
-          </p:cNvSpPr>
-          <p:nvPr>
-            <p:extLst>
-              <p:ext uri="{386F3935-93C4-4BCD-93E2-E3B085C9AB24}">
-                <p16:designElem xmlns:p16="http://schemas.microsoft.com/office/powerpoint/2015/main" val="1"/>
-              </p:ext>
-            </p:extLst>
-          </p:nvPr>
-        </p:nvSpPr>
-        <p:spPr>
-          <a:xfrm>
-            <a:off x="0" y="-3324"/>
-            <a:ext cx="12192000" cy="6861324"/>
-          </a:xfrm>
-          <a:prstGeom prst="rect">
-            <a:avLst/>
-          </a:prstGeom>
-          <a:solidFill>
-            <a:schemeClr val="tx1">
-              <a:lumMod val="75000"/>
-              <a:lumOff val="25000"/>
-            </a:schemeClr>
-          </a:solidFill>
-          <a:ln>
-            <a:noFill/>
-          </a:ln>
-        </p:spPr>
-        <p:style>
-          <a:lnRef idx="2">
-            <a:schemeClr val="accent1">
-              <a:shade val="50000"/>
-            </a:schemeClr>
-          </a:lnRef>
-          <a:fillRef idx="1">
-            <a:schemeClr val="accent1"/>
-          </a:fillRef>
-          <a:effectRef idx="0">
-            <a:schemeClr val="accent1"/>
-          </a:effectRef>
-          <a:fontRef idx="minor">
-            <a:schemeClr val="lt1"/>
-          </a:fontRef>
-        </p:style>
-        <p:txBody>
-          <a:bodyPr rtlCol="0" anchor="ctr"/>
-          <a:lstStyle/>
-          <a:p>
-            <a:pPr marL="0" marR="0" lvl="0" indent="0" algn="ctr" defTabSz="914400" rtl="0" eaLnBrk="1" fontAlgn="auto" latinLnBrk="0" hangingPunct="1">
-              <a:lnSpc>
-                <a:spcPct val="100000"/>
-              </a:lnSpc>
-              <a:spcBef>
-                <a:spcPts val="0"/>
-              </a:spcBef>
-              <a:spcAft>
-                <a:spcPts val="0"/>
-              </a:spcAft>
-              <a:buClrTx/>
-              <a:buSzTx/>
-              <a:buFontTx/>
-              <a:buNone/>
-              <a:tabLst/>
-              <a:defRPr/>
-            </a:pPr>
-            <a:endParaRPr kumimoji="0" lang="en-US" sz="1800" b="0" i="0" u="none" strike="noStrike" kern="1200" cap="none" spc="0" normalizeH="0" baseline="0" noProof="0">
-              <a:ln>
-                <a:noFill/>
-              </a:ln>
-              <a:solidFill>
-                <a:prstClr val="white"/>
-              </a:solidFill>
-              <a:effectLst/>
-              <a:uLnTx/>
-              <a:uFillTx/>
-              <a:latin typeface="Calibri" panose="020F0502020204030204"/>
-              <a:ea typeface="+mn-ea"/>
-              <a:cs typeface="+mn-cs"/>
-            </a:endParaRPr>
-          </a:p>
-        </p:txBody>
-      </p:sp>
-      <p:cxnSp>
-        <p:nvCxnSpPr>
-          <p:cNvPr id="10" name="Straight Connector 9">
-            <a:extLst>
-              <a:ext uri="{FF2B5EF4-FFF2-40B4-BE49-F238E27FC236}">
-                <a16:creationId xmlns:a16="http://schemas.microsoft.com/office/drawing/2014/main" id="{911DBBF1-3229-4BD9-B3D1-B4CA571E7431}"/>
-              </a:ext>
-              <a:ext uri="{C183D7F6-B498-43B3-948B-1728B52AA6E4}">
-                <adec:decorative xmlns:adec="http://schemas.microsoft.com/office/drawing/2017/decorative" val="1"/>
-              </a:ext>
-            </a:extLst>
-          </p:cNvPr>
-          <p:cNvCxnSpPr>
-            <a:cxnSpLocks noGrp="1" noRot="1" noChangeAspect="1" noMove="1" noResize="1" noEditPoints="1" noAdjustHandles="1" noChangeArrowheads="1" noChangeShapeType="1"/>
-          </p:cNvCxnSpPr>
-          <p:nvPr>
-            <p:extLst>
-              <p:ext uri="{386F3935-93C4-4BCD-93E2-E3B085C9AB24}">
-                <p16:designElem xmlns:p16="http://schemas.microsoft.com/office/powerpoint/2015/main" val="1"/>
-              </p:ext>
-            </p:extLst>
-          </p:nvPr>
-        </p:nvCxnSpPr>
-        <p:spPr bwMode="white">
-          <a:xfrm>
-            <a:off x="0" y="843625"/>
-            <a:ext cx="12188824" cy="0"/>
-          </a:xfrm>
-          <a:prstGeom prst="line">
-            <a:avLst/>
-          </a:prstGeom>
-          <a:ln w="50800">
-            <a:solidFill>
-              <a:schemeClr val="bg1"/>
-            </a:solidFill>
-          </a:ln>
-        </p:spPr>
-        <p:style>
-          <a:lnRef idx="1">
-            <a:schemeClr val="accent1"/>
-          </a:lnRef>
-          <a:fillRef idx="0">
-            <a:schemeClr val="accent1"/>
-          </a:fillRef>
-          <a:effectRef idx="0">
-            <a:schemeClr val="accent1"/>
-          </a:effectRef>
-          <a:fontRef idx="minor">
-            <a:schemeClr val="tx1"/>
-          </a:fontRef>
-        </p:style>
-      </p:cxnSp>
-      <p:sp>
-        <p:nvSpPr>
-          <p:cNvPr id="12" name="Rectangle 11">
-            <a:extLst>
-              <a:ext uri="{FF2B5EF4-FFF2-40B4-BE49-F238E27FC236}">
-                <a16:creationId xmlns:a16="http://schemas.microsoft.com/office/drawing/2014/main" id="{5BC87C3E-1040-4EE4-9BDB-9537F7A1B335}"/>
-              </a:ext>
-              <a:ext uri="{C183D7F6-B498-43B3-948B-1728B52AA6E4}">
-                <adec:decorative xmlns:adec="http://schemas.microsoft.com/office/drawing/2017/decorative" val="1"/>
-              </a:ext>
-            </a:extLst>
-          </p:cNvPr>
-          <p:cNvSpPr>
-            <a:spLocks noGrp="1" noRot="1" noChangeAspect="1" noMove="1" noResize="1" noEditPoints="1" noAdjustHandles="1" noChangeArrowheads="1" noChangeShapeType="1" noTextEdit="1"/>
-          </p:cNvSpPr>
-          <p:nvPr>
-            <p:extLst>
-              <p:ext uri="{386F3935-93C4-4BCD-93E2-E3B085C9AB24}">
-                <p16:designElem xmlns:p16="http://schemas.microsoft.com/office/powerpoint/2015/main" val="1"/>
-              </p:ext>
-            </p:extLst>
-          </p:nvPr>
-        </p:nvSpPr>
-        <p:spPr>
-          <a:xfrm>
-            <a:off x="3176" y="968282"/>
-            <a:ext cx="12188824" cy="4946904"/>
-          </a:xfrm>
-          <a:prstGeom prst="rect">
-            <a:avLst/>
-          </a:prstGeom>
-          <a:solidFill>
-            <a:schemeClr val="bg1"/>
-          </a:solidFill>
-          <a:ln>
-            <a:noFill/>
-          </a:ln>
-        </p:spPr>
-        <p:style>
-          <a:lnRef idx="2">
-            <a:schemeClr val="accent1">
-              <a:shade val="50000"/>
-            </a:schemeClr>
-          </a:lnRef>
-          <a:fillRef idx="1">
-            <a:schemeClr val="accent1"/>
-          </a:fillRef>
-          <a:effectRef idx="0">
-            <a:schemeClr val="accent1"/>
-          </a:effectRef>
-          <a:fontRef idx="minor">
-            <a:schemeClr val="lt1"/>
-          </a:fontRef>
-        </p:style>
-        <p:txBody>
-          <a:bodyPr rtlCol="0" anchor="ctr"/>
-          <a:lstStyle/>
-          <a:p>
-            <a:pPr algn="ctr"/>
-            <a:endParaRPr lang="en-US"/>
-          </a:p>
-        </p:txBody>
-      </p:sp>
-      <p:sp>
-        <p:nvSpPr>
-          <p:cNvPr id="2" name="Title 1">
-            <a:extLst>
-              <a:ext uri="{FF2B5EF4-FFF2-40B4-BE49-F238E27FC236}">
-                <a16:creationId xmlns:a16="http://schemas.microsoft.com/office/drawing/2014/main" id="{D9DFFEDA-5F72-4C24-BD2A-AF6F49D1094F}"/>
-              </a:ext>
-            </a:extLst>
-          </p:cNvPr>
-          <p:cNvSpPr>
-            <a:spLocks noGrp="1"/>
-          </p:cNvSpPr>
-          <p:nvPr>
-            <p:ph type="title"/>
-          </p:nvPr>
-        </p:nvSpPr>
-        <p:spPr>
-          <a:xfrm>
-            <a:off x="795338" y="1566473"/>
-            <a:ext cx="10601325" cy="2166723"/>
-          </a:xfrm>
-        </p:spPr>
-        <p:txBody>
-          <a:bodyPr vert="horz" lIns="91440" tIns="45720" rIns="91440" bIns="45720" rtlCol="0" anchor="b">
-            <a:normAutofit/>
-          </a:bodyPr>
-          <a:lstStyle/>
-          <a:p>
-            <a:pPr algn="ctr"/>
-            <a:r>
-              <a:rPr lang="en-US" sz="6600" kern="1200">
-                <a:solidFill>
-                  <a:schemeClr val="tx1"/>
-                </a:solidFill>
-                <a:latin typeface="+mj-lt"/>
-                <a:ea typeface="+mj-ea"/>
-                <a:cs typeface="+mj-cs"/>
-              </a:rPr>
-              <a:t>Implementación UI</a:t>
-            </a:r>
-          </a:p>
-        </p:txBody>
-      </p:sp>
-      <p:cxnSp>
-        <p:nvCxnSpPr>
-          <p:cNvPr id="14" name="Straight Connector 13">
-            <a:extLst>
-              <a:ext uri="{FF2B5EF4-FFF2-40B4-BE49-F238E27FC236}">
-                <a16:creationId xmlns:a16="http://schemas.microsoft.com/office/drawing/2014/main" id="{42CDBECE-872A-4C73-9DC1-BB4E805E2CF5}"/>
-              </a:ext>
-              <a:ext uri="{C183D7F6-B498-43B3-948B-1728B52AA6E4}">
-                <adec:decorative xmlns:adec="http://schemas.microsoft.com/office/drawing/2017/decorative" val="1"/>
-              </a:ext>
-            </a:extLst>
-          </p:cNvPr>
-          <p:cNvCxnSpPr>
-            <a:cxnSpLocks noGrp="1" noRot="1" noChangeAspect="1" noMove="1" noResize="1" noEditPoints="1" noAdjustHandles="1" noChangeArrowheads="1" noChangeShapeType="1"/>
-          </p:cNvCxnSpPr>
-          <p:nvPr>
-            <p:extLst>
-              <p:ext uri="{386F3935-93C4-4BCD-93E2-E3B085C9AB24}">
-                <p16:designElem xmlns:p16="http://schemas.microsoft.com/office/powerpoint/2015/main" val="1"/>
-              </p:ext>
-            </p:extLst>
-          </p:nvPr>
-        </p:nvCxnSpPr>
-        <p:spPr>
-          <a:xfrm>
-            <a:off x="4724400" y="3894594"/>
-            <a:ext cx="2743200" cy="0"/>
-          </a:xfrm>
-          <a:prstGeom prst="line">
-            <a:avLst/>
-          </a:prstGeom>
-          <a:ln w="19050">
-            <a:solidFill>
-              <a:schemeClr val="tx1">
-                <a:lumMod val="50000"/>
-                <a:lumOff val="50000"/>
-              </a:schemeClr>
-            </a:solidFill>
-          </a:ln>
-        </p:spPr>
-        <p:style>
-          <a:lnRef idx="1">
-            <a:schemeClr val="accent1"/>
-          </a:lnRef>
-          <a:fillRef idx="0">
-            <a:schemeClr val="accent1"/>
-          </a:fillRef>
-          <a:effectRef idx="0">
-            <a:schemeClr val="accent1"/>
-          </a:effectRef>
-          <a:fontRef idx="minor">
-            <a:schemeClr val="tx1"/>
-          </a:fontRef>
-        </p:style>
-      </p:cxnSp>
-      <p:cxnSp>
-        <p:nvCxnSpPr>
-          <p:cNvPr id="16" name="Straight Connector 15">
-            <a:extLst>
-              <a:ext uri="{FF2B5EF4-FFF2-40B4-BE49-F238E27FC236}">
-                <a16:creationId xmlns:a16="http://schemas.microsoft.com/office/drawing/2014/main" id="{F5CD5A0B-CDD7-427C-AA42-2EECFDFA1811}"/>
-              </a:ext>
-              <a:ext uri="{C183D7F6-B498-43B3-948B-1728B52AA6E4}">
-                <adec:decorative xmlns:adec="http://schemas.microsoft.com/office/drawing/2017/decorative" val="1"/>
-              </a:ext>
-            </a:extLst>
-          </p:cNvPr>
-          <p:cNvCxnSpPr>
-            <a:cxnSpLocks noGrp="1" noRot="1" noChangeAspect="1" noMove="1" noResize="1" noEditPoints="1" noAdjustHandles="1" noChangeArrowheads="1" noChangeShapeType="1"/>
-          </p:cNvCxnSpPr>
-          <p:nvPr>
-            <p:extLst>
-              <p:ext uri="{386F3935-93C4-4BCD-93E2-E3B085C9AB24}">
-                <p16:designElem xmlns:p16="http://schemas.microsoft.com/office/powerpoint/2015/main" val="1"/>
-              </p:ext>
-            </p:extLst>
-          </p:nvPr>
-        </p:nvCxnSpPr>
-        <p:spPr bwMode="white">
-          <a:xfrm>
-            <a:off x="0" y="6028863"/>
-            <a:ext cx="12188824" cy="0"/>
-          </a:xfrm>
-          <a:prstGeom prst="line">
-            <a:avLst/>
-          </a:prstGeom>
-          <a:ln w="50800">
-            <a:solidFill>
-              <a:schemeClr val="bg1"/>
-            </a:solidFill>
-          </a:ln>
-        </p:spPr>
-        <p:style>
-          <a:lnRef idx="1">
-            <a:schemeClr val="accent1"/>
-          </a:lnRef>
-          <a:fillRef idx="0">
-            <a:schemeClr val="accent1"/>
-          </a:fillRef>
-          <a:effectRef idx="0">
-            <a:schemeClr val="accent1"/>
-          </a:effectRef>
-          <a:fontRef idx="minor">
-            <a:schemeClr val="tx1"/>
-          </a:fontRef>
-        </p:style>
-      </p:cxnSp>
-    </p:spTree>
-    <p:extLst>
-      <p:ext uri="{BB962C8B-B14F-4D97-AF65-F5344CB8AC3E}">
-        <p14:creationId xmlns:p14="http://schemas.microsoft.com/office/powerpoint/2010/main" val="2554520805"/>
-      </p:ext>
-    </p:extLst>
-  </p:cSld>
-  <p:clrMapOvr>
-    <a:masterClrMapping/>
-  </p:clrMapOvr>
-</p:sld>
-</file>
-
-<file path=ppt/slides/slide12.xml><?xml version="1.0" encoding="utf-8"?>
 <p:sld xmlns:a="http://schemas.openxmlformats.org/drawingml/2006/main" xmlns:r="http://schemas.openxmlformats.org/officeDocument/2006/relationships" xmlns:p="http://schemas.openxmlformats.org/presentationml/2006/main">
   <p:cSld>
     <p:bg>
